--- a/16 Presentation/website.pptx
+++ b/16 Presentation/website.pptx
@@ -11,8 +11,9 @@
     <p:sldId id="259" r:id="rId5"/>
     <p:sldId id="260" r:id="rId6"/>
     <p:sldId id="261" r:id="rId7"/>
-    <p:sldId id="262" r:id="rId8"/>
-    <p:sldId id="263" r:id="rId9"/>
+    <p:sldId id="264" r:id="rId8"/>
+    <p:sldId id="262" r:id="rId9"/>
+    <p:sldId id="263" r:id="rId10"/>
   </p:sldIdLst>
   <p:sldSz cx="9144000" cy="6858000" type="screen4x3"/>
   <p:notesSz cx="6858000" cy="9144000"/>
@@ -4525,6 +4526,83 @@
           <a:bodyPr/>
           <a:lstStyle/>
           <a:p>
+            <a:endParaRPr lang="en-US"/>
+          </a:p>
+        </p:txBody>
+      </p:sp>
+      <p:pic>
+        <p:nvPicPr>
+          <p:cNvPr id="4" name="Content Placeholder 3" descr="Voices-of-the-Hill-Logos-Final.png"/>
+          <p:cNvPicPr>
+            <a:picLocks noGrp="1" noChangeAspect="1"/>
+          </p:cNvPicPr>
+          <p:nvPr>
+            <p:ph sz="quarter" idx="1"/>
+          </p:nvPr>
+        </p:nvPicPr>
+        <p:blipFill rotWithShape="1">
+          <a:blip r:embed="rId2">
+            <a:extLst>
+              <a:ext uri="{28A0092B-C50C-407E-A947-70E740481C1C}">
+                <a14:useLocalDpi xmlns:a14="http://schemas.microsoft.com/office/drawing/2010/main" val="0"/>
+              </a:ext>
+            </a:extLst>
+          </a:blip>
+          <a:srcRect l="3796" r="5053" b="39622"/>
+          <a:stretch/>
+        </p:blipFill>
+        <p:spPr>
+          <a:xfrm>
+            <a:off x="1204331" y="1932096"/>
+            <a:ext cx="6776151" cy="4519742"/>
+          </a:xfrm>
+        </p:spPr>
+      </p:pic>
+    </p:spTree>
+    <p:extLst>
+      <p:ext uri="{BB962C8B-B14F-4D97-AF65-F5344CB8AC3E}">
+        <p14:creationId xmlns:p14="http://schemas.microsoft.com/office/powerpoint/2010/main" val="2355048832"/>
+      </p:ext>
+    </p:extLst>
+  </p:cSld>
+  <p:clrMapOvr>
+    <a:masterClrMapping/>
+  </p:clrMapOvr>
+</p:sld>
+</file>
+
+<file path=ppt/slides/slide8.xml><?xml version="1.0" encoding="utf-8"?>
+<p:sld xmlns:a="http://schemas.openxmlformats.org/drawingml/2006/main" xmlns:r="http://schemas.openxmlformats.org/officeDocument/2006/relationships" xmlns:p="http://schemas.openxmlformats.org/presentationml/2006/main">
+  <p:cSld>
+    <p:spTree>
+      <p:nvGrpSpPr>
+        <p:cNvPr id="1" name=""/>
+        <p:cNvGrpSpPr/>
+        <p:nvPr/>
+      </p:nvGrpSpPr>
+      <p:grpSpPr>
+        <a:xfrm>
+          <a:off x="0" y="0"/>
+          <a:ext cx="0" cy="0"/>
+          <a:chOff x="0" y="0"/>
+          <a:chExt cx="0" cy="0"/>
+        </a:xfrm>
+      </p:grpSpPr>
+      <p:sp>
+        <p:nvSpPr>
+          <p:cNvPr id="2" name="Title 1"/>
+          <p:cNvSpPr>
+            <a:spLocks noGrp="1"/>
+          </p:cNvSpPr>
+          <p:nvPr>
+            <p:ph type="title"/>
+          </p:nvPr>
+        </p:nvSpPr>
+        <p:spPr/>
+        <p:txBody>
+          <a:bodyPr/>
+          <a:lstStyle/>
+          <a:p>
             <a:r>
               <a:rPr lang="en-US" dirty="0" smtClean="0"/>
               <a:t>Website</a:t>
@@ -4612,7 +4690,7 @@
 </p:sld>
 </file>
 
-<file path=ppt/slides/slide8.xml><?xml version="1.0" encoding="utf-8"?>
+<file path=ppt/slides/slide9.xml><?xml version="1.0" encoding="utf-8"?>
 <p:sld xmlns:a="http://schemas.openxmlformats.org/drawingml/2006/main" xmlns:r="http://schemas.openxmlformats.org/officeDocument/2006/relationships" xmlns:p="http://schemas.openxmlformats.org/presentationml/2006/main">
   <p:cSld>
     <p:spTree>
